--- a/Day 4/day_4.pptx
+++ b/Day 4/day_4.pptx
@@ -203,7 +203,7 @@
           <a:p>
             <a:fld id="{2254F95F-AAC1-8C4F-8C3E-55AD7365334E}" type="datetimeFigureOut">
               <a:rPr lang="en-US" smtClean="0"/>
-              <a:t>18/04/13</a:t>
+              <a:t>16/05/13</a:t>
             </a:fld>
             <a:endParaRPr lang="en-US"/>
           </a:p>
@@ -1692,7 +1692,7 @@
           <a:p>
             <a:fld id="{A4A6734C-E115-4BC5-9FB0-F9BF6FABFDA0}" type="datetimeFigureOut">
               <a:rPr lang="en-US" smtClean="0"/>
-              <a:t>18/04/13</a:t>
+              <a:t>16/05/13</a:t>
             </a:fld>
             <a:endParaRPr lang="en-US"/>
           </a:p>
@@ -1944,7 +1944,7 @@
           <a:p>
             <a:fld id="{A4A6734C-E115-4BC5-9FB0-F9BF6FABFDA0}" type="datetimeFigureOut">
               <a:rPr lang="en-US" smtClean="0"/>
-              <a:t>18/04/13</a:t>
+              <a:t>16/05/13</a:t>
             </a:fld>
             <a:endParaRPr lang="en-US"/>
           </a:p>
@@ -2343,7 +2343,7 @@
           <a:p>
             <a:fld id="{A4A6734C-E115-4BC5-9FB0-F9BF6FABFDA0}" type="datetimeFigureOut">
               <a:rPr lang="en-US" smtClean="0"/>
-              <a:t>18/04/13</a:t>
+              <a:t>16/05/13</a:t>
             </a:fld>
             <a:endParaRPr lang="en-US"/>
           </a:p>
@@ -2742,7 +2742,7 @@
           <a:p>
             <a:fld id="{A4A6734C-E115-4BC5-9FB0-F9BF6FABFDA0}" type="datetimeFigureOut">
               <a:rPr lang="en-US" smtClean="0"/>
-              <a:t>18/04/13</a:t>
+              <a:t>16/05/13</a:t>
             </a:fld>
             <a:endParaRPr lang="en-US"/>
           </a:p>
@@ -3195,7 +3195,7 @@
           <a:p>
             <a:fld id="{A4A6734C-E115-4BC5-9FB0-F9BF6FABFDA0}" type="datetimeFigureOut">
               <a:rPr lang="en-US" smtClean="0"/>
-              <a:t>18/04/13</a:t>
+              <a:t>16/05/13</a:t>
             </a:fld>
             <a:endParaRPr lang="en-US"/>
           </a:p>
@@ -3750,7 +3750,7 @@
           <a:p>
             <a:fld id="{A4A6734C-E115-4BC5-9FB0-F9BF6FABFDA0}" type="datetimeFigureOut">
               <a:rPr lang="en-US" smtClean="0"/>
-              <a:t>18/04/13</a:t>
+              <a:t>16/05/13</a:t>
             </a:fld>
             <a:endParaRPr lang="en-US"/>
           </a:p>
@@ -4439,7 +4439,7 @@
           <a:p>
             <a:fld id="{A4A6734C-E115-4BC5-9FB0-F9BF6FABFDA0}" type="datetimeFigureOut">
               <a:rPr lang="en-US" smtClean="0"/>
-              <a:t>18/04/13</a:t>
+              <a:t>16/05/13</a:t>
             </a:fld>
             <a:endParaRPr lang="en-US"/>
           </a:p>
@@ -4653,7 +4653,7 @@
           <a:p>
             <a:fld id="{A4A6734C-E115-4BC5-9FB0-F9BF6FABFDA0}" type="datetimeFigureOut">
               <a:rPr lang="en-US" smtClean="0"/>
-              <a:t>18/04/13</a:t>
+              <a:t>16/05/13</a:t>
             </a:fld>
             <a:endParaRPr lang="en-US"/>
           </a:p>
@@ -4853,7 +4853,7 @@
           <a:p>
             <a:fld id="{A4A6734C-E115-4BC5-9FB0-F9BF6FABFDA0}" type="datetimeFigureOut">
               <a:rPr lang="en-US" smtClean="0"/>
-              <a:t>18/04/13</a:t>
+              <a:t>16/05/13</a:t>
             </a:fld>
             <a:endParaRPr lang="en-US"/>
           </a:p>
@@ -5156,7 +5156,7 @@
           <a:p>
             <a:fld id="{A4A6734C-E115-4BC5-9FB0-F9BF6FABFDA0}" type="datetimeFigureOut">
               <a:rPr lang="en-US" smtClean="0"/>
-              <a:t>18/04/13</a:t>
+              <a:t>16/05/13</a:t>
             </a:fld>
             <a:endParaRPr lang="en-US"/>
           </a:p>
@@ -5777,7 +5777,7 @@
           <a:p>
             <a:fld id="{A4A6734C-E115-4BC5-9FB0-F9BF6FABFDA0}" type="datetimeFigureOut">
               <a:rPr lang="en-US" smtClean="0"/>
-              <a:t>18/04/13</a:t>
+              <a:t>16/05/13</a:t>
             </a:fld>
             <a:endParaRPr lang="en-US"/>
           </a:p>
@@ -6106,7 +6106,7 @@
           <a:p>
             <a:fld id="{A4A6734C-E115-4BC5-9FB0-F9BF6FABFDA0}" type="datetimeFigureOut">
               <a:rPr lang="en-US" smtClean="0"/>
-              <a:t>18/04/13</a:t>
+              <a:t>16/05/13</a:t>
             </a:fld>
             <a:endParaRPr lang="en-US"/>
           </a:p>
@@ -6579,7 +6579,7 @@
           <a:p>
             <a:fld id="{A4A6734C-E115-4BC5-9FB0-F9BF6FABFDA0}" type="datetimeFigureOut">
               <a:rPr lang="en-US" smtClean="0"/>
-              <a:t>18/04/13</a:t>
+              <a:t>16/05/13</a:t>
             </a:fld>
             <a:endParaRPr lang="en-US"/>
           </a:p>
@@ -6723,7 +6723,7 @@
           <a:p>
             <a:fld id="{A4A6734C-E115-4BC5-9FB0-F9BF6FABFDA0}" type="datetimeFigureOut">
               <a:rPr lang="en-US" smtClean="0"/>
-              <a:t>18/04/13</a:t>
+              <a:t>16/05/13</a:t>
             </a:fld>
             <a:endParaRPr lang="en-US"/>
           </a:p>
@@ -6813,7 +6813,7 @@
           <a:p>
             <a:fld id="{A4A6734C-E115-4BC5-9FB0-F9BF6FABFDA0}" type="datetimeFigureOut">
               <a:rPr lang="en-US" smtClean="0"/>
-              <a:t>18/04/13</a:t>
+              <a:t>16/05/13</a:t>
             </a:fld>
             <a:endParaRPr lang="en-US"/>
           </a:p>
@@ -7094,7 +7094,7 @@
           <a:p>
             <a:fld id="{A4A6734C-E115-4BC5-9FB0-F9BF6FABFDA0}" type="datetimeFigureOut">
               <a:rPr lang="en-US" smtClean="0"/>
-              <a:t>18/04/13</a:t>
+              <a:t>16/05/13</a:t>
             </a:fld>
             <a:endParaRPr lang="en-US"/>
           </a:p>
@@ -7390,7 +7390,7 @@
           <a:p>
             <a:fld id="{A4A6734C-E115-4BC5-9FB0-F9BF6FABFDA0}" type="datetimeFigureOut">
               <a:rPr lang="en-US" smtClean="0"/>
-              <a:t>18/04/13</a:t>
+              <a:t>16/05/13</a:t>
             </a:fld>
             <a:endParaRPr lang="en-US"/>
           </a:p>
@@ -8310,19 +8310,17 @@
               <a:t>clone </a:t>
             </a:r>
             <a:r>
-              <a:rPr lang="pl-PL" dirty="0">
+              <a:rPr lang="fr-FR" dirty="0">
                 <a:hlinkClick r:id="rId2"/>
               </a:rPr>
-              <a:t>git@github.com:jigishchawda/</a:t>
-            </a:r>
-            <a:r>
-              <a:rPr lang="pl-PL" dirty="0" smtClean="0">
+              <a:t>git@github.com:androidbootcamp/</a:t>
+            </a:r>
+            <a:r>
+              <a:rPr lang="fr-FR">
                 <a:hlinkClick r:id="rId2"/>
               </a:rPr>
               <a:t>RobolectricDemo.git</a:t>
             </a:r>
-          </a:p>
-          <a:p>
             <a:endParaRPr lang="pl-PL" dirty="0">
               <a:hlinkClick r:id="rId2"/>
             </a:endParaRPr>

--- a/Day 4/day_4.pptx
+++ b/Day 4/day_4.pptx
@@ -333,7 +333,7 @@
           <a:p>
             <a:fld id="{A4A6734C-E115-4BC5-9FB0-F9BF6FABFDA0}" type="datetimeFigureOut">
               <a:rPr lang="en-US" smtClean="0"/>
-              <a:t>21/02/14</a:t>
+              <a:t>07/03/14</a:t>
             </a:fld>
             <a:endParaRPr lang="en-US"/>
           </a:p>
@@ -585,7 +585,7 @@
           <a:p>
             <a:fld id="{A4A6734C-E115-4BC5-9FB0-F9BF6FABFDA0}" type="datetimeFigureOut">
               <a:rPr lang="en-US" smtClean="0"/>
-              <a:t>21/02/14</a:t>
+              <a:t>07/03/14</a:t>
             </a:fld>
             <a:endParaRPr lang="en-US"/>
           </a:p>
@@ -984,7 +984,7 @@
           <a:p>
             <a:fld id="{A4A6734C-E115-4BC5-9FB0-F9BF6FABFDA0}" type="datetimeFigureOut">
               <a:rPr lang="en-US" smtClean="0"/>
-              <a:t>21/02/14</a:t>
+              <a:t>07/03/14</a:t>
             </a:fld>
             <a:endParaRPr lang="en-US"/>
           </a:p>
@@ -1383,7 +1383,7 @@
           <a:p>
             <a:fld id="{A4A6734C-E115-4BC5-9FB0-F9BF6FABFDA0}" type="datetimeFigureOut">
               <a:rPr lang="en-US" smtClean="0"/>
-              <a:t>21/02/14</a:t>
+              <a:t>07/03/14</a:t>
             </a:fld>
             <a:endParaRPr lang="en-US"/>
           </a:p>
@@ -1836,7 +1836,7 @@
           <a:p>
             <a:fld id="{A4A6734C-E115-4BC5-9FB0-F9BF6FABFDA0}" type="datetimeFigureOut">
               <a:rPr lang="en-US" smtClean="0"/>
-              <a:t>21/02/14</a:t>
+              <a:t>07/03/14</a:t>
             </a:fld>
             <a:endParaRPr lang="en-US"/>
           </a:p>
@@ -2391,7 +2391,7 @@
           <a:p>
             <a:fld id="{A4A6734C-E115-4BC5-9FB0-F9BF6FABFDA0}" type="datetimeFigureOut">
               <a:rPr lang="en-US" smtClean="0"/>
-              <a:t>21/02/14</a:t>
+              <a:t>07/03/14</a:t>
             </a:fld>
             <a:endParaRPr lang="en-US"/>
           </a:p>
@@ -3080,7 +3080,7 @@
           <a:p>
             <a:fld id="{A4A6734C-E115-4BC5-9FB0-F9BF6FABFDA0}" type="datetimeFigureOut">
               <a:rPr lang="en-US" smtClean="0"/>
-              <a:t>21/02/14</a:t>
+              <a:t>07/03/14</a:t>
             </a:fld>
             <a:endParaRPr lang="en-US"/>
           </a:p>
@@ -3294,7 +3294,7 @@
           <a:p>
             <a:fld id="{A4A6734C-E115-4BC5-9FB0-F9BF6FABFDA0}" type="datetimeFigureOut">
               <a:rPr lang="en-US" smtClean="0"/>
-              <a:t>21/02/14</a:t>
+              <a:t>07/03/14</a:t>
             </a:fld>
             <a:endParaRPr lang="en-US"/>
           </a:p>
@@ -3494,7 +3494,7 @@
           <a:p>
             <a:fld id="{A4A6734C-E115-4BC5-9FB0-F9BF6FABFDA0}" type="datetimeFigureOut">
               <a:rPr lang="en-US" smtClean="0"/>
-              <a:t>21/02/14</a:t>
+              <a:t>07/03/14</a:t>
             </a:fld>
             <a:endParaRPr lang="en-US"/>
           </a:p>
@@ -3797,7 +3797,7 @@
           <a:p>
             <a:fld id="{A4A6734C-E115-4BC5-9FB0-F9BF6FABFDA0}" type="datetimeFigureOut">
               <a:rPr lang="en-US" smtClean="0"/>
-              <a:t>21/02/14</a:t>
+              <a:t>07/03/14</a:t>
             </a:fld>
             <a:endParaRPr lang="en-US"/>
           </a:p>
@@ -4418,7 +4418,7 @@
           <a:p>
             <a:fld id="{A4A6734C-E115-4BC5-9FB0-F9BF6FABFDA0}" type="datetimeFigureOut">
               <a:rPr lang="en-US" smtClean="0"/>
-              <a:t>21/02/14</a:t>
+              <a:t>07/03/14</a:t>
             </a:fld>
             <a:endParaRPr lang="en-US"/>
           </a:p>
@@ -4747,7 +4747,7 @@
           <a:p>
             <a:fld id="{A4A6734C-E115-4BC5-9FB0-F9BF6FABFDA0}" type="datetimeFigureOut">
               <a:rPr lang="en-US" smtClean="0"/>
-              <a:t>21/02/14</a:t>
+              <a:t>07/03/14</a:t>
             </a:fld>
             <a:endParaRPr lang="en-US"/>
           </a:p>
@@ -5220,7 +5220,7 @@
           <a:p>
             <a:fld id="{A4A6734C-E115-4BC5-9FB0-F9BF6FABFDA0}" type="datetimeFigureOut">
               <a:rPr lang="en-US" smtClean="0"/>
-              <a:t>21/02/14</a:t>
+              <a:t>07/03/14</a:t>
             </a:fld>
             <a:endParaRPr lang="en-US"/>
           </a:p>
@@ -5364,7 +5364,7 @@
           <a:p>
             <a:fld id="{A4A6734C-E115-4BC5-9FB0-F9BF6FABFDA0}" type="datetimeFigureOut">
               <a:rPr lang="en-US" smtClean="0"/>
-              <a:t>21/02/14</a:t>
+              <a:t>07/03/14</a:t>
             </a:fld>
             <a:endParaRPr lang="en-US"/>
           </a:p>
@@ -5454,7 +5454,7 @@
           <a:p>
             <a:fld id="{A4A6734C-E115-4BC5-9FB0-F9BF6FABFDA0}" type="datetimeFigureOut">
               <a:rPr lang="en-US" smtClean="0"/>
-              <a:t>21/02/14</a:t>
+              <a:t>07/03/14</a:t>
             </a:fld>
             <a:endParaRPr lang="en-US"/>
           </a:p>
@@ -5735,7 +5735,7 @@
           <a:p>
             <a:fld id="{A4A6734C-E115-4BC5-9FB0-F9BF6FABFDA0}" type="datetimeFigureOut">
               <a:rPr lang="en-US" smtClean="0"/>
-              <a:t>21/02/14</a:t>
+              <a:t>07/03/14</a:t>
             </a:fld>
             <a:endParaRPr lang="en-US"/>
           </a:p>
@@ -6031,7 +6031,7 @@
           <a:p>
             <a:fld id="{A4A6734C-E115-4BC5-9FB0-F9BF6FABFDA0}" type="datetimeFigureOut">
               <a:rPr lang="en-US" smtClean="0"/>
-              <a:t>21/02/14</a:t>
+              <a:t>07/03/14</a:t>
             </a:fld>
             <a:endParaRPr lang="en-US"/>
           </a:p>
@@ -6464,20 +6464,43 @@
               <a:t>app from </a:t>
             </a:r>
             <a:r>
-              <a:rPr lang="fi-FI" dirty="0">
+              <a:rPr lang="en-US" dirty="0">
+                <a:solidFill>
+                  <a:srgbClr val="000000"/>
+                </a:solidFill>
+              </a:rPr>
+              <a:t> </a:t>
+            </a:r>
+            <a:r>
+              <a:rPr lang="fr-FR" dirty="0">
                 <a:hlinkClick r:id="rId2"/>
               </a:rPr>
-              <a:t>git@github.com:NazneenRupawalla/Android-Bootcamp-V1.1.</a:t>
-            </a:r>
-            <a:r>
-              <a:rPr lang="fi-FI" dirty="0" smtClean="0">
-                <a:hlinkClick r:id="rId2"/>
-              </a:rPr>
-              <a:t>git</a:t>
-            </a:r>
-            <a:endParaRPr lang="fi-FI" dirty="0" smtClean="0"/>
-          </a:p>
-          <a:p>
+              <a:t>https://github.com/androidbootcamp/Android-Bootcamp-V1.1</a:t>
+            </a:r>
+            <a:r>
+              <a:rPr lang="fr-FR" dirty="0"/>
+              <a:t> and </a:t>
+            </a:r>
+            <a:r>
+              <a:rPr lang="fr-FR" dirty="0" err="1"/>
+              <a:t>checkout</a:t>
+            </a:r>
+            <a:r>
+              <a:rPr lang="fr-FR"/>
+              <a:t> </a:t>
+            </a:r>
+            <a:r>
+              <a:rPr lang="fr-FR" smtClean="0"/>
+              <a:t>Day_4 </a:t>
+            </a:r>
+            <a:r>
+              <a:rPr lang="fr-FR" dirty="0" err="1"/>
+              <a:t>branch</a:t>
+            </a:r>
+            <a:r>
+              <a:rPr lang="fr-FR" dirty="0"/>
+              <a:t>.</a:t>
+            </a:r>
             <a:endParaRPr lang="fr-FR" dirty="0"/>
           </a:p>
         </p:txBody>
@@ -6604,11 +6627,7 @@
             </a:r>
             <a:r>
               <a:rPr lang="en-US" dirty="0" smtClean="0"/>
-              <a:t>, </a:t>
-            </a:r>
-            <a:r>
-              <a:rPr lang="en-US" dirty="0" smtClean="0"/>
-              <a:t>Volley, </a:t>
+              <a:t>, Volley, </a:t>
             </a:r>
             <a:r>
               <a:rPr lang="en-US" smtClean="0"/>
@@ -10934,7 +10953,6 @@
               <a:rPr lang="en-US" dirty="0" smtClean="0"/>
               <a:t>Approaches.</a:t>
             </a:r>
-            <a:endParaRPr lang="en-US" dirty="0" smtClean="0"/>
           </a:p>
         </p:txBody>
       </p:sp>
@@ -11261,7 +11279,6 @@
               <a:rPr lang="en-US" dirty="0" smtClean="0"/>
               <a:t>Use the Shared Preferences to load the image from cache if available</a:t>
             </a:r>
-            <a:endParaRPr lang="en-US" dirty="0" smtClean="0"/>
           </a:p>
         </p:txBody>
       </p:sp>
